--- a/Intro/Welcome.pptx
+++ b/Intro/Welcome.pptx
@@ -30,7 +30,7 @@
       <p:boldItalic r:id="rId16"/>
     </p:embeddedFont>
     <p:embeddedFont>
-      <p:font typeface="Playfair Display" panose="020B0604020202020204" pitchFamily="2" charset="0"/>
+      <p:font typeface="Playfair Display" panose="00000500000000000000" pitchFamily="2" charset="0"/>
       <p:regular r:id="rId17"/>
       <p:bold r:id="rId18"/>
       <p:italic r:id="rId19"/>
@@ -963,7 +963,7 @@
         </p:nvSpPr>
         <p:spPr>
           <a:xfrm>
-            <a:off x="381300" y="685800"/>
+            <a:off x="381000" y="685800"/>
             <a:ext cx="6096000" cy="3429000"/>
           </a:xfrm>
           <a:custGeom>
@@ -7652,13 +7652,7 @@
               <a:rPr lang="en-US" dirty="0">
                 <a:hlinkClick r:id="rId4"/>
               </a:rPr>
-              <a:t>Install Tableau here</a:t>
-            </a:r>
-            <a:r>
-              <a:rPr lang="en-US" dirty="0">
-                <a:hlinkClick r:id="rId4"/>
-              </a:rPr>
-              <a:t>!</a:t>
+              <a:t>Install Tableau here!</a:t>
             </a:r>
             <a:endParaRPr dirty="0"/>
           </a:p>
@@ -7852,10 +7846,10 @@
               <a:buNone/>
             </a:pPr>
             <a:r>
-              <a:rPr lang="en"/>
-              <a:t>This course is a highly applied introduction to Data Science and computer programming that should give you the skills needed in any sort of Analyst or Data Science role.  Additionally, you will have a full project and presentation to put on your resume as well as a start to your programming portfolio.</a:t>
+              <a:rPr lang="en" dirty="0"/>
+              <a:t>This course is a highly applied introduction to Data Science and computer programming that should give you the skills needed for any sort of Analyst or Data Science role.  Additionally, you will have a full project and presentation to put on your resume as well as a start to your programming portfolio.</a:t>
             </a:r>
-            <a:endParaRPr/>
+            <a:endParaRPr dirty="0"/>
           </a:p>
           <a:p>
             <a:pPr marL="0" lvl="0" indent="0" algn="l" rtl="0">
@@ -7868,10 +7862,10 @@
               <a:buNone/>
             </a:pPr>
             <a:r>
-              <a:rPr lang="en"/>
-              <a:t>By the end of this course we hope that you can:</a:t>
+              <a:rPr lang="en" dirty="0"/>
+              <a:t>By the end of this course, our goal is for you to:</a:t>
             </a:r>
-            <a:endParaRPr/>
+            <a:endParaRPr dirty="0"/>
           </a:p>
           <a:p>
             <a:pPr marL="457200" lvl="0" indent="-342900" algn="l" rtl="0">
@@ -7885,10 +7879,10 @@
               <a:buAutoNum type="arabicPeriod"/>
             </a:pPr>
             <a:r>
-              <a:rPr lang="en"/>
+              <a:rPr lang="en" dirty="0"/>
               <a:t>Build relevant programs individually and in groups using Python/Tableau or similar languages/programs that can be used at work</a:t>
             </a:r>
-            <a:endParaRPr/>
+            <a:endParaRPr dirty="0"/>
           </a:p>
           <a:p>
             <a:pPr marL="457200" lvl="0" indent="-342900" algn="l" rtl="0">
@@ -7902,10 +7896,10 @@
               <a:buAutoNum type="arabicPeriod"/>
             </a:pPr>
             <a:r>
-              <a:rPr lang="en"/>
+              <a:rPr lang="en" dirty="0"/>
               <a:t>Interpret results from statistical packages and methods</a:t>
             </a:r>
-            <a:endParaRPr/>
+            <a:endParaRPr dirty="0"/>
           </a:p>
           <a:p>
             <a:pPr marL="457200" lvl="0" indent="-342900" algn="l" rtl="0">
@@ -7919,10 +7913,10 @@
               <a:buAutoNum type="arabicPeriod"/>
             </a:pPr>
             <a:r>
-              <a:rPr lang="en"/>
+              <a:rPr lang="en" dirty="0"/>
               <a:t>Use standard packages and data sources from the data science community</a:t>
             </a:r>
-            <a:endParaRPr/>
+            <a:endParaRPr dirty="0"/>
           </a:p>
         </p:txBody>
       </p:sp>

--- a/Intro/Welcome.pptx
+++ b/Intro/Welcome.pptx
@@ -30,7 +30,7 @@
       <p:boldItalic r:id="rId16"/>
     </p:embeddedFont>
     <p:embeddedFont>
-      <p:font typeface="Playfair Display" panose="00000500000000000000" pitchFamily="2" charset="0"/>
+      <p:font typeface="Playfair Display" pitchFamily="2" charset="77"/>
       <p:regular r:id="rId17"/>
       <p:bold r:id="rId18"/>
       <p:italic r:id="rId19"/>
@@ -755,8 +755,8 @@
         </p:nvSpPr>
         <p:spPr>
           <a:xfrm>
-            <a:off x="381300" y="685800"/>
-            <a:ext cx="6096075" cy="3429000"/>
+            <a:off x="381000" y="685800"/>
+            <a:ext cx="6096000" cy="3429000"/>
           </a:xfrm>
           <a:custGeom>
             <a:avLst/>
@@ -1275,7 +1275,7 @@
         </p:nvSpPr>
         <p:spPr>
           <a:xfrm>
-            <a:off x="381300" y="685800"/>
+            <a:off x="381000" y="685800"/>
             <a:ext cx="6096000" cy="3429000"/>
           </a:xfrm>
           <a:custGeom>
@@ -1483,7 +1483,7 @@
         </p:nvSpPr>
         <p:spPr>
           <a:xfrm>
-            <a:off x="381300" y="685800"/>
+            <a:off x="381000" y="685800"/>
             <a:ext cx="6096000" cy="3429000"/>
           </a:xfrm>
           <a:custGeom>
@@ -1691,7 +1691,7 @@
         </p:nvSpPr>
         <p:spPr>
           <a:xfrm>
-            <a:off x="381300" y="685800"/>
+            <a:off x="381000" y="685800"/>
             <a:ext cx="6096000" cy="3429000"/>
           </a:xfrm>
           <a:custGeom>
@@ -7503,20 +7503,12 @@
           </a:bodyPr>
           <a:lstStyle/>
           <a:p>
-            <a:pPr marL="0" lvl="0" indent="0" algn="l" rtl="0">
-              <a:spcBef>
-                <a:spcPts val="1000"/>
-              </a:spcBef>
-              <a:spcAft>
-                <a:spcPts val="0"/>
-              </a:spcAft>
-              <a:buNone/>
-            </a:pPr>
+            <a:pPr marL="0" lvl="0" indent="0"/>
             <a:r>
-              <a:rPr lang="en"/>
-              <a:t>CSC-3154DSIA</a:t>
+              <a:rPr lang="en-US" dirty="0"/>
+              <a:t>FIN395-201</a:t>
             </a:r>
-            <a:endParaRPr/>
+            <a:endParaRPr dirty="0"/>
           </a:p>
         </p:txBody>
       </p:sp>
@@ -8270,10 +8262,10 @@
               <a:buNone/>
             </a:pPr>
             <a:r>
-              <a:rPr lang="en"/>
+              <a:rPr lang="en" dirty="0"/>
               <a:t>Grading</a:t>
             </a:r>
-            <a:endParaRPr/>
+            <a:endParaRPr dirty="0"/>
           </a:p>
         </p:txBody>
       </p:sp>
@@ -8312,15 +8304,14 @@
               <a:buNone/>
             </a:pPr>
             <a:r>
-              <a:rPr lang="en"/>
+              <a:rPr lang="en" dirty="0"/>
               <a:t>Homework (weekly) - 35%</a:t>
             </a:r>
-            <a:endParaRPr/>
           </a:p>
           <a:p>
             <a:pPr marL="0" lvl="0" indent="0" algn="l" rtl="0">
               <a:spcBef>
-                <a:spcPts val="1200"/>
+                <a:spcPts val="0"/>
               </a:spcBef>
               <a:spcAft>
                 <a:spcPts val="0"/>
@@ -8328,15 +8319,14 @@
               <a:buNone/>
             </a:pPr>
             <a:r>
-              <a:rPr lang="en"/>
-              <a:t>Midterm Exam - 15%</a:t>
+              <a:rPr lang="en" dirty="0"/>
+              <a:t>Final Exam - 35%</a:t>
             </a:r>
-            <a:endParaRPr/>
           </a:p>
           <a:p>
             <a:pPr marL="0" lvl="0" indent="0" algn="l" rtl="0">
               <a:spcBef>
-                <a:spcPts val="1200"/>
+                <a:spcPts val="0"/>
               </a:spcBef>
               <a:spcAft>
                 <a:spcPts val="0"/>
@@ -8344,26 +8334,10 @@
               <a:buNone/>
             </a:pPr>
             <a:r>
-              <a:rPr lang="en"/>
-              <a:t>Final Exam - 20%</a:t>
-            </a:r>
-            <a:endParaRPr/>
-          </a:p>
-          <a:p>
-            <a:pPr marL="0" lvl="0" indent="0" algn="l" rtl="0">
-              <a:spcBef>
-                <a:spcPts val="1200"/>
-              </a:spcBef>
-              <a:spcAft>
-                <a:spcPts val="1200"/>
-              </a:spcAft>
-              <a:buNone/>
-            </a:pPr>
-            <a:r>
-              <a:rPr lang="en"/>
+              <a:rPr lang="en" dirty="0"/>
               <a:t>Project - 30% </a:t>
             </a:r>
-            <a:endParaRPr/>
+            <a:endParaRPr dirty="0"/>
           </a:p>
         </p:txBody>
       </p:sp>
@@ -8455,7 +8429,7 @@
         </p:spPr>
         <p:txBody>
           <a:bodyPr spcFirstLastPara="1" wrap="square" lIns="91425" tIns="91425" rIns="91425" bIns="91425" anchor="t" anchorCtr="0">
-            <a:normAutofit fontScale="85000" lnSpcReduction="20000"/>
+            <a:normAutofit fontScale="85000" lnSpcReduction="10000"/>
           </a:bodyPr>
           <a:lstStyle/>
           <a:p>
@@ -8501,14 +8475,6 @@
               <a:rPr lang="en-US" dirty="0"/>
               <a:t>The goal of the project is to combine the skills you learn in the course and apply them to something that interests you in order to replicate what your future career may look like</a:t>
             </a:r>
-          </a:p>
-          <a:p>
-            <a:pPr marL="285750" indent="-285750">
-              <a:spcAft>
-                <a:spcPts val="1200"/>
-              </a:spcAft>
-            </a:pPr>
-            <a:endParaRPr lang="en-US" dirty="0"/>
           </a:p>
           <a:p>
             <a:pPr marL="285750" indent="-285750">
@@ -8627,10 +8593,10 @@
               <a:buChar char="●"/>
             </a:pPr>
             <a:r>
-              <a:rPr lang="en"/>
+              <a:rPr lang="en" dirty="0"/>
               <a:t>2015 - Matt takes Econometrics at University of Kentucky which starts off his Data Science journey</a:t>
             </a:r>
-            <a:endParaRPr/>
+            <a:endParaRPr dirty="0"/>
           </a:p>
           <a:p>
             <a:pPr marL="457200" lvl="0" indent="-325755" algn="l" rtl="0">
@@ -8644,10 +8610,10 @@
               <a:buChar char="●"/>
             </a:pPr>
             <a:r>
-              <a:rPr lang="en"/>
+              <a:rPr lang="en" dirty="0"/>
               <a:t>2015 - Ben and Matt meet at University of Kentucky while taking the same math course</a:t>
             </a:r>
-            <a:endParaRPr/>
+            <a:endParaRPr dirty="0"/>
           </a:p>
           <a:p>
             <a:pPr marL="457200" lvl="0" indent="-325755" algn="l" rtl="0">
@@ -8661,11 +8627,11 @@
               <a:buChar char="●"/>
             </a:pPr>
             <a:r>
-              <a:rPr lang="en"/>
+              <a:rPr lang="en" dirty="0"/>
               <a:t>2018 - Matt takes the </a:t>
             </a:r>
             <a:r>
-              <a:rPr lang="en" u="sng">
+              <a:rPr lang="en" u="sng" dirty="0">
                 <a:solidFill>
                   <a:schemeClr val="hlink"/>
                 </a:solidFill>
@@ -8674,10 +8640,10 @@
               <a:t>Data-X</a:t>
             </a:r>
             <a:r>
-              <a:rPr lang="en"/>
+              <a:rPr lang="en" dirty="0"/>
               <a:t> course at University of California, Berkeley which inspired much of this current course</a:t>
             </a:r>
-            <a:endParaRPr/>
+            <a:endParaRPr dirty="0"/>
           </a:p>
           <a:p>
             <a:pPr marL="457200" lvl="0" indent="-325755" algn="l" rtl="0">
@@ -8691,10 +8657,18 @@
               <a:buChar char="●"/>
             </a:pPr>
             <a:r>
-              <a:rPr lang="en"/>
-              <a:t>2019 - Ben and Matt form their own Data Science consulting company after a former UKy Alumni sought out help to improve their company</a:t>
+              <a:rPr lang="en" dirty="0"/>
+              <a:t>2019 - Ben and Matt form their own Data Science consulting company after a former </a:t>
             </a:r>
-            <a:endParaRPr/>
+            <a:r>
+              <a:rPr lang="en" dirty="0" err="1"/>
+              <a:t>UKy</a:t>
+            </a:r>
+            <a:r>
+              <a:rPr lang="en" dirty="0"/>
+              <a:t> Alumni sought out help to improve their company</a:t>
+            </a:r>
+            <a:endParaRPr dirty="0"/>
           </a:p>
           <a:p>
             <a:pPr marL="457200" lvl="0" indent="-325755" algn="l" rtl="0">
@@ -8708,10 +8682,10 @@
               <a:buChar char="●"/>
             </a:pPr>
             <a:r>
-              <a:rPr lang="en"/>
-              <a:t>2020 - A former UKy professor asked Ben and Matt to create a few lectures on SQL and Finance methods for students looking to learn more</a:t>
+              <a:rPr lang="en" dirty="0"/>
+              <a:t>2020 - Ben and Matt create a few lectures on SQL and Finance methods for students looking to learn more</a:t>
             </a:r>
-            <a:endParaRPr/>
+            <a:endParaRPr dirty="0"/>
           </a:p>
           <a:p>
             <a:pPr marL="457200" lvl="0" indent="-325755" algn="l" rtl="0">
@@ -8725,10 +8699,10 @@
               <a:buChar char="●"/>
             </a:pPr>
             <a:r>
-              <a:rPr lang="en"/>
-              <a:t>2021 - Everything comes together and we hope to combine the knowledge from both the most impactful courses we took in college along with the skills we use in our jobs everyday to give you the tools to succeed right out the gate</a:t>
+              <a:rPr lang="en" dirty="0"/>
+              <a:t>2021-2022 - Everything comes together and we hope to combine the knowledge from both the most impactful courses we took in college along with the skills we use in our jobs everyday to give you the tools to succeed right out the gate</a:t>
             </a:r>
-            <a:endParaRPr/>
+            <a:endParaRPr dirty="0"/>
           </a:p>
         </p:txBody>
       </p:sp>
@@ -9078,23 +9052,6 @@
             <a:r>
               <a:rPr lang="en" dirty="0"/>
               <a:t>Avid basketball and tennis player</a:t>
-            </a:r>
-            <a:endParaRPr dirty="0"/>
-          </a:p>
-          <a:p>
-            <a:pPr marL="457200" lvl="0" indent="-342900" algn="l" rtl="0">
-              <a:spcBef>
-                <a:spcPts val="0"/>
-              </a:spcBef>
-              <a:spcAft>
-                <a:spcPts val="0"/>
-              </a:spcAft>
-              <a:buSzPts val="1800"/>
-              <a:buChar char="●"/>
-            </a:pPr>
-            <a:r>
-              <a:rPr lang="en" dirty="0"/>
-              <a:t>Favorite Durham restaurant: M Kokko</a:t>
             </a:r>
             <a:endParaRPr dirty="0"/>
           </a:p>

--- a/Intro/Welcome.pptx
+++ b/Intro/Welcome.pptx
@@ -7572,10 +7572,10 @@
               <a:buNone/>
             </a:pPr>
             <a:r>
-              <a:rPr lang="en"/>
+              <a:rPr lang="en" dirty="0"/>
               <a:t>Important Tasks Before You Start</a:t>
             </a:r>
-            <a:endParaRPr/>
+            <a:endParaRPr dirty="0"/>
           </a:p>
         </p:txBody>
       </p:sp>
@@ -8578,26 +8578,9 @@
         </p:spPr>
         <p:txBody>
           <a:bodyPr spcFirstLastPara="1" wrap="square" lIns="91425" tIns="91425" rIns="91425" bIns="91425" anchor="t" anchorCtr="0">
-            <a:normAutofit fontScale="85000" lnSpcReduction="10000"/>
+            <a:normAutofit fontScale="92500" lnSpcReduction="20000"/>
           </a:bodyPr>
           <a:lstStyle/>
-          <a:p>
-            <a:pPr marL="457200" lvl="0" indent="-325755" algn="l" rtl="0">
-              <a:spcBef>
-                <a:spcPts val="0"/>
-              </a:spcBef>
-              <a:spcAft>
-                <a:spcPts val="0"/>
-              </a:spcAft>
-              <a:buSzPct val="100000"/>
-              <a:buChar char="●"/>
-            </a:pPr>
-            <a:r>
-              <a:rPr lang="en" dirty="0"/>
-              <a:t>2015 - Matt takes Econometrics at University of Kentucky which starts off his Data Science journey</a:t>
-            </a:r>
-            <a:endParaRPr dirty="0"/>
-          </a:p>
           <a:p>
             <a:pPr marL="457200" lvl="0" indent="-325755" algn="l" rtl="0">
               <a:spcBef>

--- a/Intro/Welcome.pptx
+++ b/Intro/Welcome.pptx
@@ -7478,40 +7478,6 @@
           </a:p>
         </p:txBody>
       </p:sp>
-      <p:sp>
-        <p:nvSpPr>
-          <p:cNvPr id="69" name="Google Shape;69;p13"/>
-          <p:cNvSpPr txBox="1">
-            <a:spLocks noGrp="1"/>
-          </p:cNvSpPr>
-          <p:nvPr>
-            <p:ph type="subTitle" idx="1"/>
-          </p:nvPr>
-        </p:nvSpPr>
-        <p:spPr>
-          <a:xfrm>
-            <a:off x="630600" y="3228375"/>
-            <a:ext cx="7893000" cy="1274100"/>
-          </a:xfrm>
-          <a:prstGeom prst="rect">
-            <a:avLst/>
-          </a:prstGeom>
-        </p:spPr>
-        <p:txBody>
-          <a:bodyPr spcFirstLastPara="1" wrap="square" lIns="91425" tIns="91425" rIns="91425" bIns="91425" anchor="b" anchorCtr="0">
-            <a:normAutofit/>
-          </a:bodyPr>
-          <a:lstStyle/>
-          <a:p>
-            <a:pPr marL="0" lvl="0" indent="0"/>
-            <a:r>
-              <a:rPr lang="en-US" dirty="0"/>
-              <a:t>FIN395-201</a:t>
-            </a:r>
-            <a:endParaRPr dirty="0"/>
-          </a:p>
-        </p:txBody>
-      </p:sp>
     </p:spTree>
   </p:cSld>
   <p:clrMapOvr>
